--- a/Apresentação1.pptx
+++ b/Apresentação1.pptx
@@ -2,10 +2,11 @@
 <file path=ppt/presentation.xml><?xml version="1.0" encoding="utf-8"?>
 <p:presentation xmlns:a="http://schemas.openxmlformats.org/drawingml/2006/main" xmlns:r="http://schemas.openxmlformats.org/officeDocument/2006/relationships" xmlns:p="http://schemas.openxmlformats.org/presentationml/2006/main" saveSubsetFonts="1">
   <p:sldMasterIdLst>
-    <p:sldMasterId id="2147483648" r:id="rId1"/>
+    <p:sldMasterId id="2147483648" r:id="rId6"/>
   </p:sldMasterIdLst>
   <p:sldIdLst>
-    <p:sldId id="256" r:id="rId2"/>
+    <p:sldId id="256" r:id="rId7"/>
+    <p:sldId id="257" r:id="rId8"/>
   </p:sldIdLst>
   <p:sldSz cx="12192000" cy="6858000"/>
   <p:notesSz cx="6858000" cy="9144000"/>
@@ -104,6 +105,11 @@
       </a:defRPr>
     </a:lvl9pPr>
   </p:defaultTextStyle>
+  <p:extLst>
+    <p:ext uri="{EFAFB233-063F-42B5-8137-9DF3F51BA10A}">
+      <p15:sldGuideLst xmlns:p15="http://schemas.microsoft.com/office/powerpoint/2012/main"/>
+    </p:ext>
+  </p:extLst>
 </p:presentation>
 </file>
 
@@ -3265,7 +3271,6 @@
               <a:rPr lang="pt-BR" baseline="0" dirty="0" smtClean="0"/>
               <a:t> </a:t>
             </a:r>
-            <a:endParaRPr lang="pt-BR" baseline="0" dirty="0" smtClean="0"/>
           </a:p>
         </p:txBody>
       </p:sp>
@@ -3346,6 +3351,1002 @@
   <p:clrMapOvr>
     <a:masterClrMapping/>
   </p:clrMapOvr>
+  <p:timing>
+    <p:tnLst>
+      <p:par>
+        <p:cTn id="1" dur="indefinite" restart="never" nodeType="tmRoot"/>
+      </p:par>
+    </p:tnLst>
+  </p:timing>
+</p:sld>
+</file>
+
+<file path=ppt/slides/slide2.xml><?xml version="1.0" encoding="utf-8"?>
+<p:sld xmlns:a="http://schemas.openxmlformats.org/drawingml/2006/main" xmlns:r="http://schemas.openxmlformats.org/officeDocument/2006/relationships" xmlns:p="http://schemas.openxmlformats.org/presentationml/2006/main">
+  <p:cSld>
+    <p:spTree>
+      <p:nvGrpSpPr>
+        <p:cNvPr id="1" name=""/>
+        <p:cNvGrpSpPr/>
+        <p:nvPr/>
+      </p:nvGrpSpPr>
+      <p:grpSpPr>
+        <a:xfrm>
+          <a:off x="0" y="0"/>
+          <a:ext cx="0" cy="0"/>
+          <a:chOff x="0" y="0"/>
+          <a:chExt cx="0" cy="0"/>
+        </a:xfrm>
+      </p:grpSpPr>
+      <p:grpSp>
+        <p:nvGrpSpPr>
+          <p:cNvPr id="4" name="WindowsPhone"/>
+          <p:cNvGrpSpPr/>
+          <p:nvPr>
+            <p:custDataLst>
+              <p:custData r:id="rId1"/>
+            </p:custDataLst>
+          </p:nvPr>
+        </p:nvGrpSpPr>
+        <p:grpSpPr>
+          <a:xfrm>
+            <a:off x="4363503" y="1"/>
+            <a:ext cx="3464995" cy="6857998"/>
+            <a:chOff x="2839503" y="1"/>
+            <a:chExt cx="3464995" cy="6857998"/>
+          </a:xfrm>
+        </p:grpSpPr>
+        <p:grpSp>
+          <p:nvGrpSpPr>
+            <p:cNvPr id="5" name="Group 2"/>
+            <p:cNvGrpSpPr/>
+            <p:nvPr/>
+          </p:nvGrpSpPr>
+          <p:grpSpPr>
+            <a:xfrm>
+              <a:off x="2839503" y="1"/>
+              <a:ext cx="3464995" cy="6857998"/>
+              <a:chOff x="2839503" y="1"/>
+              <a:chExt cx="3464995" cy="6857998"/>
+            </a:xfrm>
+          </p:grpSpPr>
+          <p:grpSp>
+            <p:nvGrpSpPr>
+              <p:cNvPr id="7" name="Group 4"/>
+              <p:cNvGrpSpPr/>
+              <p:nvPr/>
+            </p:nvGrpSpPr>
+            <p:grpSpPr>
+              <a:xfrm>
+                <a:off x="2839503" y="1"/>
+                <a:ext cx="3464995" cy="6857998"/>
+                <a:chOff x="2834639" y="1"/>
+                <a:chExt cx="3464995" cy="6857998"/>
+              </a:xfrm>
+            </p:grpSpPr>
+            <p:sp>
+              <p:nvSpPr>
+                <p:cNvPr id="9" name="Rounded Rectangle 6"/>
+                <p:cNvSpPr/>
+                <p:nvPr userDrawn="1"/>
+              </p:nvSpPr>
+              <p:spPr>
+                <a:xfrm>
+                  <a:off x="2834639" y="1"/>
+                  <a:ext cx="3464995" cy="6857998"/>
+                </a:xfrm>
+                <a:prstGeom prst="roundRect">
+                  <a:avLst>
+                    <a:gd name="adj" fmla="val 5515"/>
+                  </a:avLst>
+                </a:prstGeom>
+                <a:ln/>
+              </p:spPr>
+              <p:style>
+                <a:lnRef idx="1">
+                  <a:schemeClr val="dk1"/>
+                </a:lnRef>
+                <a:fillRef idx="3">
+                  <a:schemeClr val="dk1"/>
+                </a:fillRef>
+                <a:effectRef idx="2">
+                  <a:schemeClr val="dk1"/>
+                </a:effectRef>
+                <a:fontRef idx="minor">
+                  <a:schemeClr val="lt1"/>
+                </a:fontRef>
+              </p:style>
+              <p:txBody>
+                <a:bodyPr rtlCol="0" anchor="ctr"/>
+                <a:lstStyle/>
+                <a:p>
+                  <a:pPr algn="ctr"/>
+                  <a:endParaRPr lang="en-US" u="sng">
+                    <a:solidFill>
+                      <a:prstClr val="white"/>
+                    </a:solidFill>
+                  </a:endParaRPr>
+                </a:p>
+              </p:txBody>
+            </p:sp>
+            <p:sp>
+              <p:nvSpPr>
+                <p:cNvPr id="10" name="Rounded Rectangle 7"/>
+                <p:cNvSpPr/>
+                <p:nvPr/>
+              </p:nvSpPr>
+              <p:spPr>
+                <a:xfrm>
+                  <a:off x="2928205" y="91440"/>
+                  <a:ext cx="3276600" cy="6659880"/>
+                </a:xfrm>
+                <a:prstGeom prst="roundRect">
+                  <a:avLst>
+                    <a:gd name="adj" fmla="val 2819"/>
+                  </a:avLst>
+                </a:prstGeom>
+                <a:ln/>
+              </p:spPr>
+              <p:style>
+                <a:lnRef idx="1">
+                  <a:schemeClr val="dk1"/>
+                </a:lnRef>
+                <a:fillRef idx="3">
+                  <a:schemeClr val="dk1"/>
+                </a:fillRef>
+                <a:effectRef idx="2">
+                  <a:schemeClr val="dk1"/>
+                </a:effectRef>
+                <a:fontRef idx="minor">
+                  <a:schemeClr val="lt1"/>
+                </a:fontRef>
+              </p:style>
+              <p:txBody>
+                <a:bodyPr rot="0" spcFirstLastPara="0" vertOverflow="overflow" horzOverflow="overflow" vert="horz" wrap="square" lIns="45720" tIns="45720" rIns="91440" bIns="45720" numCol="1" spcCol="0" rtlCol="0" fromWordArt="0" anchor="ctr" anchorCtr="0" forceAA="0" compatLnSpc="1">
+                  <a:prstTxWarp prst="textNoShape">
+                    <a:avLst/>
+                  </a:prstTxWarp>
+                  <a:noAutofit/>
+                </a:bodyPr>
+                <a:lstStyle/>
+                <a:p>
+                  <a:pPr algn="ctr"/>
+                  <a:endParaRPr lang="en-US" sz="800" kern="0" dirty="0" smtClean="0">
+                    <a:solidFill>
+                      <a:prstClr val="black">
+                        <a:lumMod val="75000"/>
+                        <a:lumOff val="25000"/>
+                      </a:prstClr>
+                    </a:solidFill>
+                    <a:latin typeface="Segoe UI"/>
+                  </a:endParaRPr>
+                </a:p>
+              </p:txBody>
+            </p:sp>
+            <p:sp>
+              <p:nvSpPr>
+                <p:cNvPr id="11" name="Rectangle 8"/>
+                <p:cNvSpPr/>
+                <p:nvPr userDrawn="1"/>
+              </p:nvSpPr>
+              <p:spPr>
+                <a:xfrm>
+                  <a:off x="3050294" y="482053"/>
+                  <a:ext cx="3038085" cy="5074920"/>
+                </a:xfrm>
+                <a:prstGeom prst="rect">
+                  <a:avLst/>
+                </a:prstGeom>
+                <a:ln/>
+              </p:spPr>
+              <p:style>
+                <a:lnRef idx="1">
+                  <a:schemeClr val="dk1"/>
+                </a:lnRef>
+                <a:fillRef idx="3">
+                  <a:schemeClr val="dk1"/>
+                </a:fillRef>
+                <a:effectRef idx="2">
+                  <a:schemeClr val="dk1"/>
+                </a:effectRef>
+                <a:fontRef idx="minor">
+                  <a:schemeClr val="lt1"/>
+                </a:fontRef>
+              </p:style>
+              <p:txBody>
+                <a:bodyPr rtlCol="0" anchor="ctr"/>
+                <a:lstStyle/>
+                <a:p>
+                  <a:pPr algn="ctr"/>
+                  <a:endParaRPr lang="en-US" u="sng" dirty="0">
+                    <a:solidFill>
+                      <a:prstClr val="white"/>
+                    </a:solidFill>
+                  </a:endParaRPr>
+                </a:p>
+              </p:txBody>
+            </p:sp>
+            <p:sp>
+              <p:nvSpPr>
+                <p:cNvPr id="12" name="Left Arrow 9"/>
+                <p:cNvSpPr/>
+                <p:nvPr userDrawn="1"/>
+              </p:nvSpPr>
+              <p:spPr>
+                <a:xfrm>
+                  <a:off x="3300730" y="6215335"/>
+                  <a:ext cx="270769" cy="117324"/>
+                </a:xfrm>
+                <a:prstGeom prst="leftArrow">
+                  <a:avLst>
+                    <a:gd name="adj1" fmla="val 0"/>
+                    <a:gd name="adj2" fmla="val 91165"/>
+                  </a:avLst>
+                </a:prstGeom>
+                <a:ln/>
+              </p:spPr>
+              <p:style>
+                <a:lnRef idx="1">
+                  <a:schemeClr val="dk1"/>
+                </a:lnRef>
+                <a:fillRef idx="3">
+                  <a:schemeClr val="dk1"/>
+                </a:fillRef>
+                <a:effectRef idx="2">
+                  <a:schemeClr val="dk1"/>
+                </a:effectRef>
+                <a:fontRef idx="minor">
+                  <a:schemeClr val="lt1"/>
+                </a:fontRef>
+              </p:style>
+              <p:txBody>
+                <a:bodyPr rtlCol="0" anchor="ctr"/>
+                <a:lstStyle/>
+                <a:p>
+                  <a:pPr algn="ctr"/>
+                  <a:endParaRPr lang="en-US" u="sng">
+                    <a:solidFill>
+                      <a:prstClr val="white"/>
+                    </a:solidFill>
+                  </a:endParaRPr>
+                </a:p>
+              </p:txBody>
+            </p:sp>
+            <p:grpSp>
+              <p:nvGrpSpPr>
+                <p:cNvPr id="13" name="Group 10"/>
+                <p:cNvGrpSpPr/>
+                <p:nvPr/>
+              </p:nvGrpSpPr>
+              <p:grpSpPr>
+                <a:xfrm rot="21384124">
+                  <a:off x="4457215" y="6161552"/>
+                  <a:ext cx="212326" cy="227346"/>
+                  <a:chOff x="4194362" y="5874647"/>
+                  <a:chExt cx="252148" cy="269985"/>
+                </a:xfrm>
+                <a:solidFill>
+                  <a:srgbClr val="FFFFFF"/>
+                </a:solidFill>
+              </p:grpSpPr>
+              <p:sp>
+                <p:nvSpPr>
+                  <p:cNvPr id="15" name="Flowchart: Stored Data 12"/>
+                  <p:cNvSpPr/>
+                  <p:nvPr/>
+                </p:nvSpPr>
+                <p:spPr>
+                  <a:xfrm rot="6230930">
+                    <a:off x="4218638" y="5878261"/>
+                    <a:ext cx="115927" cy="108699"/>
+                  </a:xfrm>
+                  <a:prstGeom prst="flowChartOnlineStorage">
+                    <a:avLst/>
+                  </a:prstGeom>
+                  <a:ln/>
+                </p:spPr>
+                <p:style>
+                  <a:lnRef idx="1">
+                    <a:schemeClr val="dk1"/>
+                  </a:lnRef>
+                  <a:fillRef idx="3">
+                    <a:schemeClr val="dk1"/>
+                  </a:fillRef>
+                  <a:effectRef idx="2">
+                    <a:schemeClr val="dk1"/>
+                  </a:effectRef>
+                  <a:fontRef idx="minor">
+                    <a:schemeClr val="lt1"/>
+                  </a:fontRef>
+                </p:style>
+                <p:txBody>
+                  <a:bodyPr rtlCol="0" anchor="ctr"/>
+                  <a:lstStyle/>
+                  <a:p>
+                    <a:pPr algn="ctr"/>
+                    <a:endParaRPr lang="en-US" u="sng">
+                      <a:solidFill>
+                        <a:prstClr val="white"/>
+                      </a:solidFill>
+                    </a:endParaRPr>
+                  </a:p>
+                </p:txBody>
+              </p:sp>
+              <p:sp>
+                <p:nvSpPr>
+                  <p:cNvPr id="16" name="Flowchart: Stored Data 13"/>
+                  <p:cNvSpPr/>
+                  <p:nvPr/>
+                </p:nvSpPr>
+                <p:spPr>
+                  <a:xfrm rot="6230930">
+                    <a:off x="4190748" y="5989157"/>
+                    <a:ext cx="115927" cy="108699"/>
+                  </a:xfrm>
+                  <a:prstGeom prst="flowChartOnlineStorage">
+                    <a:avLst/>
+                  </a:prstGeom>
+                  <a:ln/>
+                </p:spPr>
+                <p:style>
+                  <a:lnRef idx="1">
+                    <a:schemeClr val="dk1"/>
+                  </a:lnRef>
+                  <a:fillRef idx="3">
+                    <a:schemeClr val="dk1"/>
+                  </a:fillRef>
+                  <a:effectRef idx="2">
+                    <a:schemeClr val="dk1"/>
+                  </a:effectRef>
+                  <a:fontRef idx="minor">
+                    <a:schemeClr val="lt1"/>
+                  </a:fontRef>
+                </p:style>
+                <p:txBody>
+                  <a:bodyPr rtlCol="0" anchor="ctr"/>
+                  <a:lstStyle/>
+                  <a:p>
+                    <a:pPr algn="ctr"/>
+                    <a:endParaRPr lang="en-US" u="sng">
+                      <a:solidFill>
+                        <a:prstClr val="white"/>
+                      </a:solidFill>
+                    </a:endParaRPr>
+                  </a:p>
+                </p:txBody>
+              </p:sp>
+              <p:sp>
+                <p:nvSpPr>
+                  <p:cNvPr id="17" name="Flowchart: Stored Data 14"/>
+                  <p:cNvSpPr/>
+                  <p:nvPr/>
+                </p:nvSpPr>
+                <p:spPr>
+                  <a:xfrm rot="16979296">
+                    <a:off x="4335573" y="5922200"/>
+                    <a:ext cx="114310" cy="107565"/>
+                  </a:xfrm>
+                  <a:prstGeom prst="flowChartOnlineStorage">
+                    <a:avLst/>
+                  </a:prstGeom>
+                  <a:ln/>
+                </p:spPr>
+                <p:style>
+                  <a:lnRef idx="1">
+                    <a:schemeClr val="dk1"/>
+                  </a:lnRef>
+                  <a:fillRef idx="3">
+                    <a:schemeClr val="dk1"/>
+                  </a:fillRef>
+                  <a:effectRef idx="2">
+                    <a:schemeClr val="dk1"/>
+                  </a:effectRef>
+                  <a:fontRef idx="minor">
+                    <a:schemeClr val="lt1"/>
+                  </a:fontRef>
+                </p:style>
+                <p:txBody>
+                  <a:bodyPr rtlCol="0" anchor="ctr"/>
+                  <a:lstStyle/>
+                  <a:p>
+                    <a:pPr algn="ctr"/>
+                    <a:endParaRPr lang="en-US" u="sng">
+                      <a:solidFill>
+                        <a:prstClr val="white"/>
+                      </a:solidFill>
+                    </a:endParaRPr>
+                  </a:p>
+                </p:txBody>
+              </p:sp>
+              <p:sp>
+                <p:nvSpPr>
+                  <p:cNvPr id="18" name="Flowchart: Stored Data 15"/>
+                  <p:cNvSpPr/>
+                  <p:nvPr/>
+                </p:nvSpPr>
+                <p:spPr>
+                  <a:xfrm rot="16979296">
+                    <a:off x="4307999" y="6032886"/>
+                    <a:ext cx="115927" cy="107565"/>
+                  </a:xfrm>
+                  <a:prstGeom prst="flowChartOnlineStorage">
+                    <a:avLst/>
+                  </a:prstGeom>
+                  <a:ln/>
+                </p:spPr>
+                <p:style>
+                  <a:lnRef idx="1">
+                    <a:schemeClr val="dk1"/>
+                  </a:lnRef>
+                  <a:fillRef idx="3">
+                    <a:schemeClr val="dk1"/>
+                  </a:fillRef>
+                  <a:effectRef idx="2">
+                    <a:schemeClr val="dk1"/>
+                  </a:effectRef>
+                  <a:fontRef idx="minor">
+                    <a:schemeClr val="lt1"/>
+                  </a:fontRef>
+                </p:style>
+                <p:txBody>
+                  <a:bodyPr rtlCol="0" anchor="ctr"/>
+                  <a:lstStyle/>
+                  <a:p>
+                    <a:pPr algn="ctr"/>
+                    <a:endParaRPr lang="en-US" u="sng">
+                      <a:solidFill>
+                        <a:prstClr val="white"/>
+                      </a:solidFill>
+                    </a:endParaRPr>
+                  </a:p>
+                </p:txBody>
+              </p:sp>
+            </p:grpSp>
+            <p:sp>
+              <p:nvSpPr>
+                <p:cNvPr id="14" name="Rounded Rectangle 11"/>
+                <p:cNvSpPr/>
+                <p:nvPr/>
+              </p:nvSpPr>
+              <p:spPr>
+                <a:xfrm>
+                  <a:off x="4138146" y="266078"/>
+                  <a:ext cx="860720" cy="52045"/>
+                </a:xfrm>
+                <a:prstGeom prst="roundRect">
+                  <a:avLst/>
+                </a:prstGeom>
+                <a:ln/>
+              </p:spPr>
+              <p:style>
+                <a:lnRef idx="1">
+                  <a:schemeClr val="dk1"/>
+                </a:lnRef>
+                <a:fillRef idx="3">
+                  <a:schemeClr val="dk1"/>
+                </a:fillRef>
+                <a:effectRef idx="2">
+                  <a:schemeClr val="dk1"/>
+                </a:effectRef>
+                <a:fontRef idx="minor">
+                  <a:schemeClr val="lt1"/>
+                </a:fontRef>
+              </p:style>
+              <p:txBody>
+                <a:bodyPr rot="0" spcFirstLastPara="0" vertOverflow="overflow" horzOverflow="overflow" vert="horz" wrap="square" lIns="45720" tIns="45720" rIns="91440" bIns="45720" numCol="1" spcCol="0" rtlCol="0" fromWordArt="0" anchor="ctr" anchorCtr="0" forceAA="0" compatLnSpc="1">
+                  <a:prstTxWarp prst="textNoShape">
+                    <a:avLst/>
+                  </a:prstTxWarp>
+                  <a:noAutofit/>
+                </a:bodyPr>
+                <a:lstStyle/>
+                <a:p>
+                  <a:pPr algn="ctr"/>
+                  <a:endParaRPr lang="en-US" sz="800" kern="0" dirty="0" smtClean="0">
+                    <a:solidFill>
+                      <a:prstClr val="black">
+                        <a:lumMod val="75000"/>
+                        <a:lumOff val="25000"/>
+                      </a:prstClr>
+                    </a:solidFill>
+                    <a:latin typeface="Segoe UI"/>
+                  </a:endParaRPr>
+                </a:p>
+              </p:txBody>
+            </p:sp>
+          </p:grpSp>
+          <p:sp>
+            <p:nvSpPr>
+              <p:cNvPr id="8" name="Rectangle 5"/>
+              <p:cNvSpPr/>
+              <p:nvPr/>
+            </p:nvSpPr>
+            <p:spPr>
+              <a:xfrm>
+                <a:off x="3054545" y="482052"/>
+                <a:ext cx="3038698" cy="188595"/>
+              </a:xfrm>
+              <a:prstGeom prst="rect">
+                <a:avLst/>
+              </a:prstGeom>
+              <a:ln/>
+            </p:spPr>
+            <p:style>
+              <a:lnRef idx="1">
+                <a:schemeClr val="dk1"/>
+              </a:lnRef>
+              <a:fillRef idx="3">
+                <a:schemeClr val="dk1"/>
+              </a:fillRef>
+              <a:effectRef idx="2">
+                <a:schemeClr val="dk1"/>
+              </a:effectRef>
+              <a:fontRef idx="minor">
+                <a:schemeClr val="lt1"/>
+              </a:fontRef>
+            </p:style>
+            <p:txBody>
+              <a:bodyPr rot="0" spcFirstLastPara="0" vertOverflow="overflow" horzOverflow="overflow" vert="horz" wrap="square" lIns="45720" tIns="45720" rIns="45720" bIns="45720" numCol="1" spcCol="0" rtlCol="0" fromWordArt="0" anchor="ctr" anchorCtr="0" forceAA="0" compatLnSpc="1">
+                <a:prstTxWarp prst="textNoShape">
+                  <a:avLst/>
+                </a:prstTxWarp>
+                <a:noAutofit/>
+              </a:bodyPr>
+              <a:lstStyle/>
+              <a:p>
+                <a:pPr marL="0" marR="0" indent="0" algn="ctr" defTabSz="914400" eaLnBrk="1" fontAlgn="auto" latinLnBrk="0" hangingPunct="1">
+                  <a:lnSpc>
+                    <a:spcPct val="100000"/>
+                  </a:lnSpc>
+                  <a:spcBef>
+                    <a:spcPts val="0"/>
+                  </a:spcBef>
+                  <a:spcAft>
+                    <a:spcPts val="0"/>
+                  </a:spcAft>
+                  <a:buClrTx/>
+                  <a:buSzTx/>
+                  <a:buFontTx/>
+                  <a:buNone/>
+                  <a:tabLst/>
+                </a:pPr>
+                <a:r>
+                  <a:rPr kumimoji="0" lang="en-US" sz="1000" i="0" u="none" strike="noStrike" kern="0" cap="none" spc="0" normalizeH="0" baseline="0" noProof="0" dirty="0" smtClean="0">
+                    <a:ln>
+                      <a:noFill/>
+                    </a:ln>
+                    <a:solidFill>
+                      <a:srgbClr val="FFFFFF"/>
+                    </a:solidFill>
+                    <a:effectLst/>
+                    <a:uLnTx/>
+                    <a:uFillTx/>
+                    <a:latin typeface="Segoe UI"/>
+                    <a:ea typeface="+mn-ea"/>
+                    <a:cs typeface="+mn-cs"/>
+                  </a:rPr>
+                  <a:t>12:38</a:t>
+                </a:r>
+              </a:p>
+            </p:txBody>
+          </p:sp>
+        </p:grpSp>
+        <p:pic>
+          <p:nvPicPr>
+            <p:cNvPr id="6" name="Picture 2" descr="C:\Users\t-dantay\Documents\WPIcons\appbar.feature.search.rest.png"/>
+            <p:cNvPicPr>
+              <a:picLocks noChangeAspect="1" noChangeArrowheads="1"/>
+            </p:cNvPicPr>
+            <p:nvPr/>
+          </p:nvPicPr>
+          <p:blipFill>
+            <a:blip r:embed="rId7">
+              <a:lum bright="70000" contrast="-70000"/>
+              <a:extLst>
+                <a:ext uri="{28A0092B-C50C-407E-A947-70E740481C1C}">
+                  <a14:useLocalDpi xmlns:a14="http://schemas.microsoft.com/office/drawing/2010/main" val="0"/>
+                </a:ext>
+              </a:extLst>
+            </a:blip>
+            <a:srcRect/>
+            <a:stretch>
+              <a:fillRect/>
+            </a:stretch>
+          </p:blipFill>
+          <p:spPr bwMode="auto">
+            <a:xfrm>
+              <a:off x="5519769" y="6091117"/>
+              <a:ext cx="365760" cy="365760"/>
+            </a:xfrm>
+            <a:prstGeom prst="rect">
+              <a:avLst/>
+            </a:prstGeom>
+            <a:extLst/>
+          </p:spPr>
+          <p:style>
+            <a:lnRef idx="1">
+              <a:schemeClr val="dk1"/>
+            </a:lnRef>
+            <a:fillRef idx="3">
+              <a:schemeClr val="dk1"/>
+            </a:fillRef>
+            <a:effectRef idx="2">
+              <a:schemeClr val="dk1"/>
+            </a:effectRef>
+            <a:fontRef idx="minor">
+              <a:schemeClr val="lt1"/>
+            </a:fontRef>
+          </p:style>
+        </p:pic>
+      </p:grpSp>
+      <p:sp>
+        <p:nvSpPr>
+          <p:cNvPr id="20" name="Content"/>
+          <p:cNvSpPr/>
+          <p:nvPr>
+            <p:custDataLst>
+              <p:custData r:id="rId2"/>
+            </p:custDataLst>
+          </p:nvPr>
+        </p:nvSpPr>
+        <p:spPr>
+          <a:xfrm>
+            <a:off x="5182306" y="2875948"/>
+            <a:ext cx="1914525" cy="276720"/>
+          </a:xfrm>
+          <a:prstGeom prst="roundRect">
+            <a:avLst/>
+          </a:prstGeom>
+          <a:solidFill>
+            <a:schemeClr val="lt1">
+              <a:alpha val="0"/>
+            </a:schemeClr>
+          </a:solidFill>
+          <a:ln w="12700" cap="rnd">
+            <a:solidFill>
+              <a:schemeClr val="accent1"/>
+            </a:solidFill>
+            <a:round/>
+          </a:ln>
+        </p:spPr>
+        <p:style>
+          <a:lnRef idx="2">
+            <a:schemeClr val="accent1"/>
+          </a:lnRef>
+          <a:fillRef idx="1">
+            <a:schemeClr val="lt1"/>
+          </a:fillRef>
+          <a:effectRef idx="0">
+            <a:schemeClr val="accent1"/>
+          </a:effectRef>
+          <a:fontRef idx="minor">
+            <a:schemeClr val="dk1"/>
+          </a:fontRef>
+        </p:style>
+        <p:txBody>
+          <a:bodyPr wrap="none" lIns="45720" tIns="18288" rIns="45720" bIns="18288" rtlCol="0" anchor="ctr">
+            <a:noAutofit/>
+          </a:bodyPr>
+          <a:lstStyle/>
+          <a:p>
+            <a:r>
+              <a:rPr lang="en-US" sz="1200" dirty="0">
+                <a:solidFill>
+                  <a:schemeClr val="bg1"/>
+                </a:solidFill>
+                <a:latin typeface="Segoe UI" pitchFamily="34" charset="0"/>
+                <a:cs typeface="Segoe UI" pitchFamily="34" charset="0"/>
+              </a:rPr>
+              <a:t>Inserir Valor </a:t>
+            </a:r>
+            <a:r>
+              <a:rPr lang="en-US" sz="1200" dirty="0" smtClean="0">
+                <a:solidFill>
+                  <a:schemeClr val="bg1"/>
+                </a:solidFill>
+                <a:latin typeface="Segoe UI" pitchFamily="34" charset="0"/>
+                <a:cs typeface="Segoe UI" pitchFamily="34" charset="0"/>
+              </a:rPr>
+              <a:t>2</a:t>
+            </a:r>
+            <a:endParaRPr lang="en-US" sz="1200" dirty="0">
+              <a:solidFill>
+                <a:schemeClr val="bg1"/>
+              </a:solidFill>
+              <a:latin typeface="Segoe UI" pitchFamily="34" charset="0"/>
+              <a:cs typeface="Segoe UI" pitchFamily="34" charset="0"/>
+            </a:endParaRPr>
+          </a:p>
+        </p:txBody>
+      </p:sp>
+      <p:sp>
+        <p:nvSpPr>
+          <p:cNvPr id="21" name="Content"/>
+          <p:cNvSpPr/>
+          <p:nvPr>
+            <p:custDataLst>
+              <p:custData r:id="rId3"/>
+            </p:custDataLst>
+          </p:nvPr>
+        </p:nvSpPr>
+        <p:spPr>
+          <a:xfrm>
+            <a:off x="4829594" y="4545227"/>
+            <a:ext cx="1106592" cy="228600"/>
+          </a:xfrm>
+          <a:prstGeom prst="roundRect">
+            <a:avLst/>
+          </a:prstGeom>
+          <a:ln/>
+        </p:spPr>
+        <p:style>
+          <a:lnRef idx="2">
+            <a:schemeClr val="accent5">
+              <a:shade val="50000"/>
+            </a:schemeClr>
+          </a:lnRef>
+          <a:fillRef idx="1">
+            <a:schemeClr val="accent5"/>
+          </a:fillRef>
+          <a:effectRef idx="0">
+            <a:schemeClr val="accent5"/>
+          </a:effectRef>
+          <a:fontRef idx="minor">
+            <a:schemeClr val="lt1"/>
+          </a:fontRef>
+        </p:style>
+        <p:txBody>
+          <a:bodyPr wrap="square" lIns="91440" tIns="0" rIns="91440" bIns="9144" rtlCol="0" anchor="ctr">
+            <a:noAutofit/>
+          </a:bodyPr>
+          <a:lstStyle/>
+          <a:p>
+            <a:pPr algn="ctr"/>
+            <a:r>
+              <a:rPr lang="en-US" sz="1200" dirty="0" smtClean="0">
+                <a:solidFill>
+                  <a:srgbClr val="000000"/>
+                </a:solidFill>
+                <a:latin typeface="Segoe UI" pitchFamily="34" charset="0"/>
+                <a:cs typeface="Segoe UI" pitchFamily="34" charset="0"/>
+              </a:rPr>
+              <a:t>Apagar</a:t>
+            </a:r>
+            <a:endParaRPr lang="en-US" sz="1200" dirty="0">
+              <a:solidFill>
+                <a:srgbClr val="000000"/>
+              </a:solidFill>
+              <a:latin typeface="Segoe UI" pitchFamily="34" charset="0"/>
+              <a:cs typeface="Segoe UI" pitchFamily="34" charset="0"/>
+            </a:endParaRPr>
+          </a:p>
+        </p:txBody>
+      </p:sp>
+      <p:sp>
+        <p:nvSpPr>
+          <p:cNvPr id="22" name="Content"/>
+          <p:cNvSpPr/>
+          <p:nvPr>
+            <p:custDataLst>
+              <p:custData r:id="rId4"/>
+            </p:custDataLst>
+          </p:nvPr>
+        </p:nvSpPr>
+        <p:spPr>
+          <a:xfrm>
+            <a:off x="6203753" y="4545227"/>
+            <a:ext cx="1106592" cy="228600"/>
+          </a:xfrm>
+          <a:prstGeom prst="roundRect">
+            <a:avLst/>
+          </a:prstGeom>
+          <a:ln/>
+        </p:spPr>
+        <p:style>
+          <a:lnRef idx="2">
+            <a:schemeClr val="accent5">
+              <a:shade val="50000"/>
+            </a:schemeClr>
+          </a:lnRef>
+          <a:fillRef idx="1">
+            <a:schemeClr val="accent5"/>
+          </a:fillRef>
+          <a:effectRef idx="0">
+            <a:schemeClr val="accent5"/>
+          </a:effectRef>
+          <a:fontRef idx="minor">
+            <a:schemeClr val="lt1"/>
+          </a:fontRef>
+        </p:style>
+        <p:txBody>
+          <a:bodyPr wrap="square" lIns="91440" tIns="0" rIns="91440" bIns="9144" rtlCol="0" anchor="ctr">
+            <a:noAutofit/>
+          </a:bodyPr>
+          <a:lstStyle/>
+          <a:p>
+            <a:pPr algn="ctr"/>
+            <a:r>
+              <a:rPr lang="en-US" sz="1200" dirty="0" smtClean="0">
+                <a:solidFill>
+                  <a:srgbClr val="000000"/>
+                </a:solidFill>
+                <a:latin typeface="Segoe UI" pitchFamily="34" charset="0"/>
+                <a:cs typeface="Segoe UI" pitchFamily="34" charset="0"/>
+              </a:rPr>
+              <a:t>Calcular</a:t>
+            </a:r>
+            <a:endParaRPr lang="en-US" sz="1200" dirty="0">
+              <a:solidFill>
+                <a:srgbClr val="000000"/>
+              </a:solidFill>
+              <a:latin typeface="Segoe UI" pitchFamily="34" charset="0"/>
+              <a:cs typeface="Segoe UI" pitchFamily="34" charset="0"/>
+            </a:endParaRPr>
+          </a:p>
+        </p:txBody>
+      </p:sp>
+      <p:sp>
+        <p:nvSpPr>
+          <p:cNvPr id="23" name="Content"/>
+          <p:cNvSpPr/>
+          <p:nvPr>
+            <p:custDataLst>
+              <p:custData r:id="rId5"/>
+            </p:custDataLst>
+          </p:nvPr>
+        </p:nvSpPr>
+        <p:spPr>
+          <a:xfrm>
+            <a:off x="5193955" y="2349920"/>
+            <a:ext cx="1914525" cy="276720"/>
+          </a:xfrm>
+          <a:prstGeom prst="roundRect">
+            <a:avLst/>
+          </a:prstGeom>
+          <a:solidFill>
+            <a:schemeClr val="lt1">
+              <a:alpha val="0"/>
+            </a:schemeClr>
+          </a:solidFill>
+          <a:ln w="12700" cap="rnd">
+            <a:solidFill>
+              <a:schemeClr val="accent1"/>
+            </a:solidFill>
+            <a:round/>
+          </a:ln>
+        </p:spPr>
+        <p:style>
+          <a:lnRef idx="2">
+            <a:schemeClr val="accent1"/>
+          </a:lnRef>
+          <a:fillRef idx="1">
+            <a:schemeClr val="lt1"/>
+          </a:fillRef>
+          <a:effectRef idx="0">
+            <a:schemeClr val="accent1"/>
+          </a:effectRef>
+          <a:fontRef idx="minor">
+            <a:schemeClr val="dk1"/>
+          </a:fontRef>
+        </p:style>
+        <p:txBody>
+          <a:bodyPr wrap="none" lIns="45720" tIns="18288" rIns="45720" bIns="18288" rtlCol="0" anchor="ctr">
+            <a:noAutofit/>
+          </a:bodyPr>
+          <a:lstStyle/>
+          <a:p>
+            <a:r>
+              <a:rPr lang="en-US" sz="1200" dirty="0" smtClean="0">
+                <a:solidFill>
+                  <a:schemeClr val="bg1"/>
+                </a:solidFill>
+                <a:latin typeface="Segoe UI" pitchFamily="34" charset="0"/>
+                <a:cs typeface="Segoe UI" pitchFamily="34" charset="0"/>
+              </a:rPr>
+              <a:t>Inserir Valor 1</a:t>
+            </a:r>
+            <a:endParaRPr lang="en-US" sz="1200" dirty="0">
+              <a:solidFill>
+                <a:schemeClr val="bg1"/>
+              </a:solidFill>
+              <a:latin typeface="Segoe UI" pitchFamily="34" charset="0"/>
+              <a:cs typeface="Segoe UI" pitchFamily="34" charset="0"/>
+            </a:endParaRPr>
+          </a:p>
+        </p:txBody>
+      </p:sp>
+      <p:sp>
+        <p:nvSpPr>
+          <p:cNvPr id="24" name="CaixaDeTexto 23"/>
+          <p:cNvSpPr txBox="1"/>
+          <p:nvPr/>
+        </p:nvSpPr>
+        <p:spPr>
+          <a:xfrm>
+            <a:off x="5486690" y="1092750"/>
+            <a:ext cx="1129284" cy="369332"/>
+          </a:xfrm>
+          <a:prstGeom prst="rect">
+            <a:avLst/>
+          </a:prstGeom>
+          <a:noFill/>
+          <a:ln>
+            <a:noFill/>
+          </a:ln>
+        </p:spPr>
+        <p:txBody>
+          <a:bodyPr wrap="none" rtlCol="0">
+            <a:spAutoFit/>
+          </a:bodyPr>
+          <a:lstStyle/>
+          <a:p>
+            <a:r>
+              <a:rPr lang="pt-BR" dirty="0" smtClean="0">
+                <a:ln w="0">
+                  <a:solidFill>
+                    <a:srgbClr val="CC99FF"/>
+                  </a:solidFill>
+                </a:ln>
+                <a:solidFill>
+                  <a:schemeClr val="accent1">
+                    <a:lumMod val="40000"/>
+                    <a:lumOff val="60000"/>
+                  </a:schemeClr>
+                </a:solidFill>
+                <a:effectLst>
+                  <a:glow rad="101600">
+                    <a:schemeClr val="accent5">
+                      <a:satMod val="175000"/>
+                      <a:alpha val="40000"/>
+                    </a:schemeClr>
+                  </a:glow>
+                  <a:reflection blurRad="6350" stA="60000" endA="900" endPos="60000" dist="60007" dir="5400000" sy="-100000" algn="bl" rotWithShape="0"/>
+                </a:effectLst>
+              </a:rPr>
+              <a:t>Calculator</a:t>
+            </a:r>
+            <a:endParaRPr lang="pt-BR" dirty="0">
+              <a:ln w="0">
+                <a:solidFill>
+                  <a:srgbClr val="CC99FF"/>
+                </a:solidFill>
+              </a:ln>
+              <a:solidFill>
+                <a:schemeClr val="accent1">
+                  <a:lumMod val="40000"/>
+                  <a:lumOff val="60000"/>
+                </a:schemeClr>
+              </a:solidFill>
+              <a:effectLst>
+                <a:glow rad="101600">
+                  <a:schemeClr val="accent5">
+                    <a:satMod val="175000"/>
+                    <a:alpha val="40000"/>
+                  </a:schemeClr>
+                </a:glow>
+                <a:reflection blurRad="6350" stA="60000" endA="900" endPos="60000" dist="60007" dir="5400000" sy="-100000" algn="bl" rotWithShape="0"/>
+              </a:effectLst>
+            </a:endParaRPr>
+          </a:p>
+        </p:txBody>
+      </p:sp>
+    </p:spTree>
+    <p:extLst>
+      <p:ext uri="{BB962C8B-B14F-4D97-AF65-F5344CB8AC3E}">
+        <p14:creationId xmlns:p14="http://schemas.microsoft.com/office/powerpoint/2010/main" val="929123689"/>
+      </p:ext>
+    </p:extLst>
+  </p:cSld>
+  <p:clrMapOvr>
+    <a:masterClrMapping/>
+  </p:clrMapOvr>
+  <p:timing>
+    <p:tnLst>
+      <p:par>
+        <p:cTn id="1" dur="indefinite" restart="never" nodeType="tmRoot"/>
+      </p:par>
+    </p:tnLst>
+  </p:timing>
 </p:sld>
 </file>
 
@@ -3608,4 +4609,74 @@
     </a:ext>
   </a:extLst>
 </a:theme>
+</file>
+
+<file path=customXml/item1.xml><?xml version="1.0" encoding="utf-8"?>
+<Control xmlns="http://schemas.microsoft.com/VisualStudio/2011/storyboarding/control">
+  <Id Name="System.Storyboarding.Backgrounds.WindowsPhone" Revision="1" Stencil="System.Storyboarding.Backgrounds" StencilVersion="0.1"/>
+</Control>
+</file>
+
+<file path=customXml/item2.xml><?xml version="1.0" encoding="utf-8"?>
+<Control xmlns="http://schemas.microsoft.com/VisualStudio/2011/storyboarding/control">
+  <Id Name="System.Storyboarding.Common.TextInput" Revision="1" Stencil="System.Storyboarding.Common" StencilVersion="0.1"/>
+</Control>
+</file>
+
+<file path=customXml/item3.xml><?xml version="1.0" encoding="utf-8"?>
+<Control xmlns="http://schemas.microsoft.com/VisualStudio/2011/storyboarding/control">
+  <Id Name="System.Storyboarding.Common.Button" Revision="1" Stencil="System.Storyboarding.Common" StencilVersion="0.1"/>
+</Control>
+</file>
+
+<file path=customXml/item4.xml><?xml version="1.0" encoding="utf-8"?>
+<Control xmlns="http://schemas.microsoft.com/VisualStudio/2011/storyboarding/control">
+  <Id Name="System.Storyboarding.Common.Button" Revision="1" Stencil="System.Storyboarding.Common" StencilVersion="0.1"/>
+</Control>
+</file>
+
+<file path=customXml/item5.xml><?xml version="1.0" encoding="utf-8"?>
+<Control xmlns="http://schemas.microsoft.com/VisualStudio/2011/storyboarding/control">
+  <Id Name="System.Storyboarding.Common.TextInput" Revision="1" Stencil="System.Storyboarding.Common" StencilVersion="0.1"/>
+</Control>
+</file>
+
+<file path=customXml/itemProps1.xml><?xml version="1.0" encoding="utf-8"?>
+<ds:datastoreItem xmlns:ds="http://schemas.openxmlformats.org/officeDocument/2006/customXml" ds:itemID="{61DF5E78-D395-449F-A514-99DA87D44242}">
+  <ds:schemaRefs>
+    <ds:schemaRef ds:uri="http://schemas.microsoft.com/VisualStudio/2011/storyboarding/control"/>
+  </ds:schemaRefs>
+</ds:datastoreItem>
+</file>
+
+<file path=customXml/itemProps2.xml><?xml version="1.0" encoding="utf-8"?>
+<ds:datastoreItem xmlns:ds="http://schemas.openxmlformats.org/officeDocument/2006/customXml" ds:itemID="{4F9E8F61-75B9-4B99-B4AD-79B3AE8232A6}">
+  <ds:schemaRefs>
+    <ds:schemaRef ds:uri="http://schemas.microsoft.com/VisualStudio/2011/storyboarding/control"/>
+  </ds:schemaRefs>
+</ds:datastoreItem>
+</file>
+
+<file path=customXml/itemProps3.xml><?xml version="1.0" encoding="utf-8"?>
+<ds:datastoreItem xmlns:ds="http://schemas.openxmlformats.org/officeDocument/2006/customXml" ds:itemID="{8421CEEF-F4BA-41D2-A28F-5CEC2B256C71}">
+  <ds:schemaRefs>
+    <ds:schemaRef ds:uri="http://schemas.microsoft.com/VisualStudio/2011/storyboarding/control"/>
+  </ds:schemaRefs>
+</ds:datastoreItem>
+</file>
+
+<file path=customXml/itemProps4.xml><?xml version="1.0" encoding="utf-8"?>
+<ds:datastoreItem xmlns:ds="http://schemas.openxmlformats.org/officeDocument/2006/customXml" ds:itemID="{B84E87D5-2BDC-4975-A6A5-594155C0A01F}">
+  <ds:schemaRefs>
+    <ds:schemaRef ds:uri="http://schemas.microsoft.com/VisualStudio/2011/storyboarding/control"/>
+  </ds:schemaRefs>
+</ds:datastoreItem>
+</file>
+
+<file path=customXml/itemProps5.xml><?xml version="1.0" encoding="utf-8"?>
+<ds:datastoreItem xmlns:ds="http://schemas.openxmlformats.org/officeDocument/2006/customXml" ds:itemID="{584D35C7-71A1-4E14-A46B-A0DF40AAA161}">
+  <ds:schemaRefs>
+    <ds:schemaRef ds:uri="http://schemas.microsoft.com/VisualStudio/2011/storyboarding/control"/>
+  </ds:schemaRefs>
+</ds:datastoreItem>
 </file>